--- a/report-template-a2_v2.pptx
+++ b/report-template-a2_v2.pptx
@@ -5,7 +5,7 @@
     <p:sldMasterId id="2147483648" r:id="rId1"/>
   </p:sldMasterIdLst>
   <p:notesMasterIdLst>
-    <p:notesMasterId r:id="rId23"/>
+    <p:notesMasterId r:id="rId24"/>
   </p:notesMasterIdLst>
   <p:sldIdLst>
     <p:sldId id="256" r:id="rId2"/>
@@ -29,6 +29,7 @@
     <p:sldId id="263" r:id="rId20"/>
     <p:sldId id="264" r:id="rId21"/>
     <p:sldId id="265" r:id="rId22"/>
+    <p:sldId id="280" r:id="rId23"/>
   </p:sldIdLst>
   <p:sldSz cx="9144000" cy="5143500" type="screen16x9"/>
   <p:notesSz cx="6858000" cy="9144000"/>
@@ -2029,7 +2030,7 @@
           </a:ln>
           <a:extLst>
             <a:ext uri="{C572A759-6A51-4108-AA02-DFA0A04FC94B}">
-              <ma14:wrappingTextBoxFlag xmlns:ma14="http://schemas.microsoft.com/office/mac/drawingml/2011/main" xmlns:a14="http://schemas.microsoft.com/office/drawing/2010/main" xmlns:m="http://schemas.openxmlformats.org/officeDocument/2006/math" xmlns="" val="1"/>
+              <ma14:wrappingTextBoxFlag xmlns="" xmlns:m="http://schemas.openxmlformats.org/officeDocument/2006/math" xmlns:a14="http://schemas.microsoft.com/office/drawing/2010/main" xmlns:ma14="http://schemas.microsoft.com/office/mac/drawingml/2011/main" val="1"/>
             </a:ext>
           </a:extLst>
         </p:spPr>
@@ -2068,7 +2069,7 @@
           </a:ln>
           <a:extLst>
             <a:ext uri="{C572A759-6A51-4108-AA02-DFA0A04FC94B}">
-              <ma14:wrappingTextBoxFlag xmlns:ma14="http://schemas.microsoft.com/office/mac/drawingml/2011/main" xmlns:a14="http://schemas.microsoft.com/office/drawing/2010/main" xmlns:m="http://schemas.openxmlformats.org/officeDocument/2006/math" xmlns="" val="1"/>
+              <ma14:wrappingTextBoxFlag xmlns="" xmlns:m="http://schemas.openxmlformats.org/officeDocument/2006/math" xmlns:a14="http://schemas.microsoft.com/office/drawing/2010/main" xmlns:ma14="http://schemas.microsoft.com/office/mac/drawingml/2011/main" val="1"/>
             </a:ext>
           </a:extLst>
         </p:spPr>
@@ -3291,7 +3292,7 @@
           </a:ln>
           <a:extLst>
             <a:ext uri="{C572A759-6A51-4108-AA02-DFA0A04FC94B}">
-              <ma14:wrappingTextBoxFlag xmlns:ma14="http://schemas.microsoft.com/office/mac/drawingml/2011/main" xmlns:a14="http://schemas.microsoft.com/office/drawing/2010/main" xmlns:m="http://schemas.openxmlformats.org/officeDocument/2006/math" xmlns="" val="1"/>
+              <ma14:wrappingTextBoxFlag xmlns="" xmlns:m="http://schemas.openxmlformats.org/officeDocument/2006/math" xmlns:a14="http://schemas.microsoft.com/office/drawing/2010/main" xmlns:ma14="http://schemas.microsoft.com/office/mac/drawingml/2011/main" val="1"/>
             </a:ext>
           </a:extLst>
         </p:spPr>
@@ -3408,10 +3409,10 @@
       </p:sp>
       <p:pic>
         <p:nvPicPr>
-          <p:cNvPr id="3" name="Picture 2">
+          <p:cNvPr id="4" name="Picture 3" descr="A graph with a line&#10;&#10;AI-generated content may be incorrect.">
             <a:extLst>
               <a:ext uri="{FF2B5EF4-FFF2-40B4-BE49-F238E27FC236}">
-                <a16:creationId xmlns:a16="http://schemas.microsoft.com/office/drawing/2014/main" id="{CE9F0286-8BF1-75BE-9027-DF45A7B4B3D7}"/>
+                <a16:creationId xmlns:a16="http://schemas.microsoft.com/office/drawing/2014/main" id="{73FB317A-16DF-9A0A-4A6A-BB7CB6E3938F}"/>
               </a:ext>
             </a:extLst>
           </p:cNvPr>
@@ -3421,15 +3422,21 @@
           <p:nvPr/>
         </p:nvPicPr>
         <p:blipFill>
-          <a:blip r:embed="rId2"/>
+          <a:blip r:embed="rId2">
+            <a:extLst>
+              <a:ext uri="{28A0092B-C50C-407E-A947-70E740481C1C}">
+                <a14:useLocalDpi xmlns:a14="http://schemas.microsoft.com/office/drawing/2010/main" val="0"/>
+              </a:ext>
+            </a:extLst>
+          </a:blip>
           <a:stretch>
             <a:fillRect/>
           </a:stretch>
         </p:blipFill>
         <p:spPr>
           <a:xfrm>
-            <a:off x="572186" y="1017315"/>
-            <a:ext cx="4184112" cy="3242800"/>
+            <a:off x="311699" y="781936"/>
+            <a:ext cx="5236895" cy="3927671"/>
           </a:xfrm>
           <a:prstGeom prst="rect">
             <a:avLst/>
@@ -3487,7 +3494,7 @@
           </a:ln>
           <a:extLst>
             <a:ext uri="{C572A759-6A51-4108-AA02-DFA0A04FC94B}">
-              <ma14:wrappingTextBoxFlag xmlns:ma14="http://schemas.microsoft.com/office/mac/drawingml/2011/main" xmlns:a14="http://schemas.microsoft.com/office/drawing/2010/main" xmlns:m="http://schemas.openxmlformats.org/officeDocument/2006/math" xmlns="" val="1"/>
+              <ma14:wrappingTextBoxFlag xmlns="" xmlns:m="http://schemas.openxmlformats.org/officeDocument/2006/math" xmlns:a14="http://schemas.microsoft.com/office/drawing/2010/main" xmlns:ma14="http://schemas.microsoft.com/office/mac/drawingml/2011/main" val="1"/>
             </a:ext>
           </a:extLst>
         </p:spPr>
@@ -3609,13 +3616,13 @@
           <a:p>
             <a:r>
               <a:rPr lang="en-US" sz="1400"/>
-              <a:t>	My model for CIFAR10 consisted of 5 conv filters followed by 3 fully connected layers, with max pooling at some intervals and ReLU after each convolution kernel. The first conv was 10x10 with stride 2, padding 2, and 96 filters. The second conv was 10x10 with stride 2, padding same, and 96 filters followed by max pooling with kernel size 2 and stride 2. The third conv was 10x10 with stride 1, padding same, and 96. The fourth conv was 5x5 with stride 1, padding same, and 96 filters. The fifth conv was 3x3 with stride 1, padding same, and 128 filters followed by max pooling with kernel size 2 and stride 2.</a:t>
+              <a:t>	My model for CIFAR10 consisted of 5 conv filters followed by 3 fully connected layers, with max pooling at some intervals and ReLU after each convolution kernel. The first conv was 7x7 with stride 1, padding 2, and 96 filters filters, followed by max pooling with kernel size 2 and stride 2. The second conv was 5x5 with stride 1, padding 1, and 96 filters.The third conv was 5x5 with stride 1, padding same, and 128 filters, followed by max pooling with kernel size 2 and stride 2. The fourth conv was 5x5 with stride 1, padding same, and 164 filters. The fifth conv was 3x3 with stride 1, padding 0, and 196 filters followed by 0.25 dropout.</a:t>
             </a:r>
           </a:p>
           <a:p>
             <a:r>
               <a:rPr lang="en-US" sz="1400"/>
-              <a:t>The three fully connected layers following have input and output features numbers as follows: 1152-&gt; 300 -&gt; 80 -&gt; 10 prior to input into softmax for classification.</a:t>
+              <a:t>The three fully connected layers following have input and output features numbers as follows: 3136&gt; 500 -&gt; 80 -&gt; 10 prior to input into softmax for classification. Dropout of 0.25 after the first layer. </a:t>
             </a:r>
             <a:br>
               <a:rPr lang="en-US" sz="1400"/>
@@ -3625,7 +3632,7 @@
             </a:br>
             <a:r>
               <a:rPr lang="en-US" sz="1400"/>
-              <a:t>My model design consisted of adding additional convolutional layers, since a two layer CNN was found to be underfitting the data and additional model complexity was required. The multiple convolutions allow efficiently extracting features from the images with fewer parameters than with a pure neural network for efficiency in model performance vs size. The filter size decreases along with an increase in the number of filters, as we try to consolidate the information from the larger original image. The three fully connected layers at the end gather information all the different kernels for global information prior to producing features for input into softmax for classification. </a:t>
+              <a:t>My model design consisted of adding additional convolutional layers, since a two layer CNN was found to be underfitting the data and additional model complexity was required. The multiple convolutions allow efficiently extracting features from the images with fewer parameters than with a pure neural network for efficiency in model performance vs size. The filter size decreases along with an increase in the number of filters, as we try to consolidate the information from the larger original image. The three fully connected layers at the end gather information all the different kernels for global information prior to producing features for input into softmax for classification. Dropout is applied to reduce overfitting , so that the model does not memorize the training set. </a:t>
             </a:r>
           </a:p>
           <a:p>
@@ -3680,7 +3687,7 @@
         <p:spPr>
           <a:xfrm>
             <a:off x="191386" y="660352"/>
-            <a:ext cx="8952614" cy="1682849"/>
+            <a:ext cx="8952614" cy="1911398"/>
           </a:xfrm>
           <a:prstGeom prst="rect">
             <a:avLst/>
@@ -3690,7 +3697,7 @@
           </a:ln>
           <a:extLst>
             <a:ext uri="{C572A759-6A51-4108-AA02-DFA0A04FC94B}">
-              <ma14:wrappingTextBoxFlag xmlns:ma14="http://schemas.microsoft.com/office/mac/drawingml/2011/main" xmlns:a14="http://schemas.microsoft.com/office/drawing/2010/main" xmlns:m="http://schemas.openxmlformats.org/officeDocument/2006/math" xmlns="" val="1"/>
+              <ma14:wrappingTextBoxFlag xmlns="" xmlns:m="http://schemas.openxmlformats.org/officeDocument/2006/math" xmlns:a14="http://schemas.microsoft.com/office/drawing/2010/main" xmlns:ma14="http://schemas.microsoft.com/office/mac/drawingml/2011/main" val="1"/>
             </a:ext>
           </a:extLst>
         </p:spPr>
@@ -3740,14 +3747,14 @@
             </a:br>
             <a:r>
               <a:rPr lang="en-US" sz="4800"/>
-              <a:t>batch size: 96, learning rate: 0.01, reg = 0.001, epochs=15, momentum=0.95,dropout=0.25,</a:t>
+              <a:t>batch size: 96, learning rate: 0.01, reg = 0.001, epochs=20, momentum=0.95,dropout=0.25,</a:t>
             </a:r>
             <a:br>
               <a:rPr lang="en-US" sz="4800"/>
             </a:br>
             <a:r>
               <a:rPr lang="en-US" sz="4800"/>
-              <a:t>with other hyperparameters at default values: steps = [6,8], warmup:0, gamma=1, loss_type=CE</a:t>
+              <a:t>steps = [12,14], warmup:0, gamma=1, loss_type=CE</a:t>
             </a:r>
             <a:br>
               <a:rPr lang="en-US" sz="4800"/>
@@ -3757,7 +3764,7 @@
             </a:br>
             <a:r>
               <a:rPr lang="en-US" sz="4800"/>
-              <a:t>A smaller batch size was used to add a small regularization effect since the values calculated are a bit noisier, the learning rate was increased for faster training with no divergence issues noted, the regularization was increased by a small amount and dropout was also introduced to help reduce overfitting, slight increase in momentum to encourage faster optimization, increase in number of epochs from 10-15 since the loss was still decreasing.</a:t>
+              <a:t>A smaller batch size was used to add a small regularization effect since the values calculated are a bit noisier, the learning rate was increased for faster training with no divergence issues noted, the regularization was increased by a small amount and dropout was also introduced to help reduce overfitting, slight increase in momentum to encourage faster optimization, increase in number of epochs from 10 to 20 since the loss was still decreasing. Steps numbers increased so that reduce in learning rate occurs at steps closer to the end of the 20 epoch run as the local minimum is reached. </a:t>
             </a:r>
             <a:br>
               <a:rPr lang="en-US" sz="4800"/>
@@ -3797,7 +3804,7 @@
           </a:ln>
           <a:extLst>
             <a:ext uri="{C572A759-6A51-4108-AA02-DFA0A04FC94B}">
-              <ma14:wrappingTextBoxFlag xmlns:ma14="http://schemas.microsoft.com/office/mac/drawingml/2011/main" xmlns:a14="http://schemas.microsoft.com/office/drawing/2010/main" xmlns:m="http://schemas.openxmlformats.org/officeDocument/2006/math" xmlns="" val="1"/>
+              <ma14:wrappingTextBoxFlag xmlns="" xmlns:m="http://schemas.openxmlformats.org/officeDocument/2006/math" xmlns:a14="http://schemas.microsoft.com/office/drawing/2010/main" xmlns:ma14="http://schemas.microsoft.com/office/mac/drawingml/2011/main" val="1"/>
             </a:ext>
           </a:extLst>
         </p:spPr>
@@ -3835,7 +3842,7 @@
           <a:p>
             <a:r>
               <a:rPr lang="en-US"/>
-              <a:t>		0 .7679</a:t>
+              <a:t>		0 .8470</a:t>
             </a:r>
           </a:p>
           <a:p>
@@ -3984,7 +3991,7 @@
           </a:ln>
           <a:extLst>
             <a:ext uri="{C572A759-6A51-4108-AA02-DFA0A04FC94B}">
-              <ma14:wrappingTextBoxFlag xmlns:ma14="http://schemas.microsoft.com/office/mac/drawingml/2011/main" xmlns:a14="http://schemas.microsoft.com/office/drawing/2010/main" xmlns:m="http://schemas.openxmlformats.org/officeDocument/2006/math" xmlns="" val="1"/>
+              <ma14:wrappingTextBoxFlag xmlns="" xmlns:m="http://schemas.openxmlformats.org/officeDocument/2006/math" xmlns:a14="http://schemas.microsoft.com/office/drawing/2010/main" xmlns:ma14="http://schemas.microsoft.com/office/mac/drawingml/2011/main" val="1"/>
             </a:ext>
           </a:extLst>
         </p:spPr>
@@ -4077,8 +4084,23 @@
             </a:pPr>
             <a:r>
               <a:rPr dirty="0"/>
-              <a:t>What’s your result of training with regular CE loss on imbalanced CIFAR-10?</a:t>
-            </a:r>
+              <a:t>What’s your result of training with regular CE loss on </a:t>
+            </a:r>
+            <a:r>
+              <a:t>imbalanced CIFAR-10?</a:t>
+            </a:r>
+            <a:endParaRPr lang="en-US"/>
+          </a:p>
+          <a:p>
+            <a:pPr marL="0" indent="0">
+              <a:buSzTx/>
+              <a:buNone/>
+            </a:pPr>
+            <a:r>
+              <a:rPr lang="en-US"/>
+              <a:t>Accuracy: 0.6889</a:t>
+            </a:r>
+            <a:endParaRPr dirty="0"/>
           </a:p>
           <a:p>
             <a:pPr marL="0" indent="0">
@@ -4138,14 +4160,14 @@
           <p:nvPr>
             <p:extLst>
               <p:ext uri="{D42A27DB-BD31-4B8C-83A1-F6EECF244321}">
-                <p14:modId xmlns:p14="http://schemas.microsoft.com/office/powerpoint/2010/main" val="2063202563"/>
+                <p14:modId xmlns:p14="http://schemas.microsoft.com/office/powerpoint/2010/main" val="341460498"/>
               </p:ext>
             </p:extLst>
           </p:nvPr>
         </p:nvGraphicFramePr>
         <p:xfrm>
-          <a:off x="255800" y="1112897"/>
-          <a:ext cx="8632400" cy="1250252"/>
+          <a:off x="255800" y="1593986"/>
+          <a:ext cx="8632400" cy="1375267"/>
         </p:xfrm>
         <a:graphic>
           <a:graphicData uri="http://schemas.openxmlformats.org/drawingml/2006/table">
@@ -4243,7 +4265,7 @@
                       </a:pPr>
                       <a:r>
                         <a:rPr lang="en-US" sz="1200"/>
-                        <a:t>Accuracy per Class</a:t>
+                        <a:t>CE loss Model</a:t>
                       </a:r>
                       <a:endParaRPr sz="1200"/>
                     </a:p>
@@ -4452,29 +4474,32 @@
                     <a:bodyPr/>
                     <a:lstStyle/>
                     <a:p>
+                      <a:pPr marL="0" marR="0" lvl="0" indent="0" algn="l" defTabSz="914400" rtl="0" eaLnBrk="1" fontAlgn="auto" latinLnBrk="0" hangingPunct="1">
+                        <a:lnSpc>
+                          <a:spcPct val="100000"/>
+                        </a:lnSpc>
+                        <a:spcBef>
+                          <a:spcPts val="0"/>
+                        </a:spcBef>
+                        <a:spcAft>
+                          <a:spcPts val="0"/>
+                        </a:spcAft>
+                        <a:buClrTx/>
+                        <a:buSzTx/>
+                        <a:buFontTx/>
+                        <a:buNone/>
+                        <a:tabLst/>
+                        <a:defRPr sz="1800"/>
+                      </a:pPr>
+                      <a:r>
+                        <a:rPr lang="en-US" sz="1200"/>
+                        <a:t>Accuracy per Class</a:t>
+                      </a:r>
+                    </a:p>
+                    <a:p>
                       <a:pPr algn="l">
                         <a:defRPr sz="1800"/>
                       </a:pPr>
-                      <a:r>
-                        <a:rPr sz="1200"/>
-                        <a:t>CE Loss</a:t>
-                      </a:r>
-                    </a:p>
-                  </a:txBody>
-                  <a:tcPr marL="91425" marR="91425" marT="91425" marB="91425" horzOverflow="overflow"/>
-                </a:tc>
-                <a:tc>
-                  <a:txBody>
-                    <a:bodyPr/>
-                    <a:lstStyle/>
-                    <a:p>
-                      <a:pPr algn="l">
-                        <a:defRPr sz="1400"/>
-                      </a:pPr>
-                      <a:r>
-                        <a:rPr lang="en-US" sz="1200"/>
-                        <a:t>0.9050</a:t>
-                      </a:r>
                       <a:endParaRPr sz="1200"/>
                     </a:p>
                   </a:txBody>
@@ -4485,153 +4510,220 @@
                     <a:bodyPr/>
                     <a:lstStyle/>
                     <a:p>
-                      <a:pPr algn="l">
-                        <a:defRPr sz="1400"/>
+                      <a:pPr algn="ctr" fontAlgn="b">
+                        <a:buNone/>
                       </a:pPr>
                       <a:r>
-                        <a:rPr lang="en-US" sz="1200"/>
-                        <a:t>0.8730</a:t>
+                        <a:rPr lang="en-US" sz="1400" b="0" i="0" u="none" strike="noStrike">
+                          <a:solidFill>
+                            <a:srgbClr val="000000"/>
+                          </a:solidFill>
+                          <a:effectLst/>
+                          <a:latin typeface="Aptos Narrow" panose="020B0004020202020204" pitchFamily="34" charset="0"/>
+                        </a:rPr>
+                        <a:t>0.894</a:t>
                       </a:r>
-                      <a:endParaRPr sz="1200"/>
                     </a:p>
                   </a:txBody>
-                  <a:tcPr marL="91425" marR="91425" marT="91425" marB="91425" horzOverflow="overflow"/>
+                  <a:tcPr marL="6350" marR="6350" marT="6350" marB="0" anchor="b"/>
                 </a:tc>
                 <a:tc>
                   <a:txBody>
                     <a:bodyPr/>
                     <a:lstStyle/>
                     <a:p>
-                      <a:pPr algn="l">
-                        <a:defRPr sz="1400"/>
+                      <a:pPr algn="ctr" fontAlgn="b">
+                        <a:buNone/>
                       </a:pPr>
                       <a:r>
-                        <a:rPr lang="en-US" sz="1200"/>
-                        <a:t>0.5720</a:t>
+                        <a:rPr lang="en-US" sz="1400" b="0" i="0" u="none" strike="noStrike">
+                          <a:solidFill>
+                            <a:srgbClr val="000000"/>
+                          </a:solidFill>
+                          <a:effectLst/>
+                          <a:latin typeface="Aptos Narrow" panose="020B0004020202020204" pitchFamily="34" charset="0"/>
+                        </a:rPr>
+                        <a:t>0.977</a:t>
                       </a:r>
-                      <a:endParaRPr sz="1200"/>
                     </a:p>
                   </a:txBody>
-                  <a:tcPr marL="91425" marR="91425" marT="91425" marB="91425" horzOverflow="overflow"/>
+                  <a:tcPr marL="6350" marR="6350" marT="6350" marB="0" anchor="b"/>
                 </a:tc>
                 <a:tc>
                   <a:txBody>
                     <a:bodyPr/>
                     <a:lstStyle/>
                     <a:p>
-                      <a:pPr algn="l">
-                        <a:defRPr sz="1400"/>
+                      <a:pPr algn="ctr" fontAlgn="b">
+                        <a:buNone/>
                       </a:pPr>
                       <a:r>
-                        <a:rPr lang="en-US" sz="1200"/>
-                        <a:t>0.5400</a:t>
+                        <a:rPr lang="en-US" sz="1400" b="0" i="0" u="none" strike="noStrike">
+                          <a:solidFill>
+                            <a:srgbClr val="000000"/>
+                          </a:solidFill>
+                          <a:effectLst/>
+                          <a:latin typeface="Aptos Narrow" panose="020B0004020202020204" pitchFamily="34" charset="0"/>
+                        </a:rPr>
+                        <a:t>0.746</a:t>
                       </a:r>
-                      <a:endParaRPr sz="1200"/>
                     </a:p>
                   </a:txBody>
-                  <a:tcPr marL="91425" marR="91425" marT="91425" marB="91425" horzOverflow="overflow"/>
+                  <a:tcPr marL="6350" marR="6350" marT="6350" marB="0" anchor="b"/>
                 </a:tc>
                 <a:tc>
                   <a:txBody>
                     <a:bodyPr/>
                     <a:lstStyle/>
                     <a:p>
-                      <a:pPr algn="l">
-                        <a:defRPr sz="1400"/>
+                      <a:pPr algn="ctr" fontAlgn="b">
+                        <a:buNone/>
                       </a:pPr>
                       <a:r>
-                        <a:rPr lang="en-US" sz="1200"/>
-                        <a:t>0.1550</a:t>
+                        <a:rPr lang="en-US" sz="1400" b="0" i="0" u="none" strike="noStrike">
+                          <a:solidFill>
+                            <a:srgbClr val="000000"/>
+                          </a:solidFill>
+                          <a:effectLst/>
+                          <a:latin typeface="Aptos Narrow" panose="020B0004020202020204" pitchFamily="34" charset="0"/>
+                        </a:rPr>
+                        <a:t>0.632</a:t>
                       </a:r>
-                      <a:endParaRPr sz="1200"/>
                     </a:p>
                   </a:txBody>
-                  <a:tcPr marL="91425" marR="91425" marT="91425" marB="91425" horzOverflow="overflow"/>
+                  <a:tcPr marL="6350" marR="6350" marT="6350" marB="0" anchor="b"/>
                 </a:tc>
                 <a:tc>
                   <a:txBody>
                     <a:bodyPr/>
                     <a:lstStyle/>
                     <a:p>
-                      <a:pPr algn="l">
-                        <a:defRPr sz="1400"/>
+                      <a:pPr algn="ctr" fontAlgn="b">
+                        <a:buNone/>
                       </a:pPr>
                       <a:r>
-                        <a:rPr lang="en-US" sz="1200"/>
-                        <a:t>0.0240</a:t>
+                        <a:rPr lang="en-US" sz="1400" b="0" i="0" u="none" strike="noStrike">
+                          <a:solidFill>
+                            <a:srgbClr val="000000"/>
+                          </a:solidFill>
+                          <a:effectLst/>
+                          <a:latin typeface="Aptos Narrow" panose="020B0004020202020204" pitchFamily="34" charset="0"/>
+                        </a:rPr>
+                        <a:t>0.731</a:t>
                       </a:r>
-                      <a:endParaRPr sz="1200"/>
                     </a:p>
                   </a:txBody>
-                  <a:tcPr marL="91425" marR="91425" marT="91425" marB="91425" horzOverflow="overflow"/>
+                  <a:tcPr marL="6350" marR="6350" marT="6350" marB="0" anchor="b"/>
                 </a:tc>
                 <a:tc>
                   <a:txBody>
                     <a:bodyPr/>
                     <a:lstStyle/>
                     <a:p>
-                      <a:pPr algn="l">
-                        <a:defRPr sz="1400"/>
+                      <a:pPr algn="ctr" fontAlgn="b">
+                        <a:buNone/>
                       </a:pPr>
                       <a:r>
-                        <a:rPr lang="en-US" sz="1200"/>
-                        <a:t>0.3340</a:t>
+                        <a:rPr lang="en-US" sz="1400" b="0" i="0" u="none" strike="noStrike">
+                          <a:solidFill>
+                            <a:srgbClr val="000000"/>
+                          </a:solidFill>
+                          <a:effectLst/>
+                          <a:latin typeface="Aptos Narrow" panose="020B0004020202020204" pitchFamily="34" charset="0"/>
+                        </a:rPr>
+                        <a:t>0.534</a:t>
                       </a:r>
-                      <a:endParaRPr sz="1200"/>
                     </a:p>
                   </a:txBody>
-                  <a:tcPr marL="91425" marR="91425" marT="91425" marB="91425" horzOverflow="overflow"/>
+                  <a:tcPr marL="6350" marR="6350" marT="6350" marB="0" anchor="b"/>
                 </a:tc>
                 <a:tc>
                   <a:txBody>
                     <a:bodyPr/>
                     <a:lstStyle/>
                     <a:p>
-                      <a:pPr algn="l">
-                        <a:defRPr sz="1400"/>
+                      <a:pPr algn="ctr" fontAlgn="b">
+                        <a:buNone/>
                       </a:pPr>
                       <a:r>
-                        <a:rPr lang="en-US" sz="1200"/>
-                        <a:t>0.000</a:t>
+                        <a:rPr lang="en-US" sz="1400" b="0" i="0" u="none" strike="noStrike">
+                          <a:solidFill>
+                            <a:srgbClr val="000000"/>
+                          </a:solidFill>
+                          <a:effectLst/>
+                          <a:latin typeface="Aptos Narrow" panose="020B0004020202020204" pitchFamily="34" charset="0"/>
+                        </a:rPr>
+                        <a:t>0.842</a:t>
                       </a:r>
-                      <a:endParaRPr sz="1200"/>
                     </a:p>
                   </a:txBody>
-                  <a:tcPr marL="91425" marR="91425" marT="91425" marB="91425" horzOverflow="overflow"/>
+                  <a:tcPr marL="6350" marR="6350" marT="6350" marB="0" anchor="b"/>
                 </a:tc>
                 <a:tc>
                   <a:txBody>
                     <a:bodyPr/>
                     <a:lstStyle/>
                     <a:p>
-                      <a:pPr algn="l">
-                        <a:defRPr sz="1400"/>
+                      <a:pPr algn="ctr" fontAlgn="b">
+                        <a:buNone/>
                       </a:pPr>
                       <a:r>
-                        <a:rPr lang="en-US" sz="1200"/>
-                        <a:t>0.000</a:t>
+                        <a:rPr lang="en-US" sz="1400" b="0" i="0" u="none" strike="noStrike">
+                          <a:solidFill>
+                            <a:srgbClr val="000000"/>
+                          </a:solidFill>
+                          <a:effectLst/>
+                          <a:latin typeface="Aptos Narrow" panose="020B0004020202020204" pitchFamily="34" charset="0"/>
+                        </a:rPr>
+                        <a:t>0.653</a:t>
                       </a:r>
-                      <a:endParaRPr sz="1200"/>
                     </a:p>
                   </a:txBody>
-                  <a:tcPr marL="91425" marR="91425" marT="91425" marB="91425" horzOverflow="overflow"/>
+                  <a:tcPr marL="6350" marR="6350" marT="6350" marB="0" anchor="b"/>
                 </a:tc>
                 <a:tc>
                   <a:txBody>
                     <a:bodyPr/>
                     <a:lstStyle/>
                     <a:p>
-                      <a:pPr algn="l">
-                        <a:defRPr sz="1400"/>
+                      <a:pPr algn="ctr" fontAlgn="b">
+                        <a:buNone/>
                       </a:pPr>
                       <a:r>
-                        <a:rPr lang="en-US" sz="1200"/>
-                        <a:t>0.000</a:t>
+                        <a:rPr lang="en-US" sz="1400" b="0" i="0" u="none" strike="noStrike">
+                          <a:solidFill>
+                            <a:srgbClr val="000000"/>
+                          </a:solidFill>
+                          <a:effectLst/>
+                          <a:latin typeface="Aptos Narrow" panose="020B0004020202020204" pitchFamily="34" charset="0"/>
+                        </a:rPr>
+                        <a:t>0.402</a:t>
                       </a:r>
-                      <a:endParaRPr sz="1200" dirty="0"/>
                     </a:p>
                   </a:txBody>
-                  <a:tcPr marL="91425" marR="91425" marT="91425" marB="91425" horzOverflow="overflow"/>
+                  <a:tcPr marL="6350" marR="6350" marT="6350" marB="0" anchor="b"/>
+                </a:tc>
+                <a:tc>
+                  <a:txBody>
+                    <a:bodyPr/>
+                    <a:lstStyle/>
+                    <a:p>
+                      <a:pPr algn="ctr" fontAlgn="b">
+                        <a:buNone/>
+                      </a:pPr>
+                      <a:r>
+                        <a:rPr lang="en-US" sz="1400" b="0" i="0" u="none" strike="noStrike">
+                          <a:solidFill>
+                            <a:srgbClr val="000000"/>
+                          </a:solidFill>
+                          <a:effectLst/>
+                          <a:latin typeface="Aptos Narrow" panose="020B0004020202020204" pitchFamily="34" charset="0"/>
+                        </a:rPr>
+                        <a:t>0.478</a:t>
+                      </a:r>
+                    </a:p>
+                  </a:txBody>
+                  <a:tcPr marL="6350" marR="6350" marT="6350" marB="0" anchor="b"/>
                 </a:tc>
                 <a:extLst>
                   <a:ext uri="{0D108BD9-81ED-4DB2-BD59-A6C34878D82A}">
@@ -4643,208 +4735,6 @@
           </a:graphicData>
         </a:graphic>
       </p:graphicFrame>
-      <p:sp>
-        <p:nvSpPr>
-          <p:cNvPr id="2" name="TextBox 1">
-            <a:extLst>
-              <a:ext uri="{FF2B5EF4-FFF2-40B4-BE49-F238E27FC236}">
-                <a16:creationId xmlns:a16="http://schemas.microsoft.com/office/drawing/2014/main" id="{D93D14E0-7B78-5E85-4758-FFED78AC8B6D}"/>
-              </a:ext>
-            </a:extLst>
-          </p:cNvPr>
-          <p:cNvSpPr txBox="1"/>
-          <p:nvPr/>
-        </p:nvSpPr>
-        <p:spPr>
-          <a:xfrm>
-            <a:off x="611430" y="3147703"/>
-            <a:ext cx="6287385" cy="1661993"/>
-          </a:xfrm>
-          <a:prstGeom prst="rect">
-            <a:avLst/>
-          </a:prstGeom>
-          <a:noFill/>
-          <a:ln w="12700" cap="flat">
-            <a:noFill/>
-            <a:miter lim="400000"/>
-          </a:ln>
-          <a:effectLst/>
-          <a:sp3d/>
-        </p:spPr>
-        <p:style>
-          <a:lnRef idx="0">
-            <a:scrgbClr r="0" g="0" b="0"/>
-          </a:lnRef>
-          <a:fillRef idx="0">
-            <a:scrgbClr r="0" g="0" b="0"/>
-          </a:fillRef>
-          <a:effectRef idx="0">
-            <a:scrgbClr r="0" g="0" b="0"/>
-          </a:effectRef>
-          <a:fontRef idx="none"/>
-        </p:style>
-        <p:txBody>
-          <a:bodyPr rot="0" spcFirstLastPara="1" vertOverflow="overflow" horzOverflow="overflow" vert="horz" wrap="square" lIns="0" tIns="0" rIns="0" bIns="0" numCol="1" spcCol="38100" rtlCol="0" anchor="t">
-            <a:spAutoFit/>
-          </a:bodyPr>
-          <a:lstStyle/>
-          <a:p>
-            <a:r>
-              <a:rPr lang="en-US" sz="1200"/>
-              <a:t>Train:</a:t>
-            </a:r>
-          </a:p>
-          <a:p>
-            <a:r>
-              <a:rPr lang="en-US" sz="1200"/>
-              <a:t>  batch_size: 128</a:t>
-            </a:r>
-          </a:p>
-          <a:p>
-            <a:r>
-              <a:rPr lang="en-US" sz="1200"/>
-              <a:t>  learning_rate: 0.01</a:t>
-            </a:r>
-          </a:p>
-          <a:p>
-            <a:r>
-              <a:rPr lang="en-US" sz="1200"/>
-              <a:t>  reg: 0.001</a:t>
-            </a:r>
-          </a:p>
-          <a:p>
-            <a:r>
-              <a:rPr lang="en-US" sz="1200"/>
-              <a:t>  epochs: 15</a:t>
-            </a:r>
-          </a:p>
-          <a:p>
-            <a:r>
-              <a:rPr lang="en-US" sz="1200"/>
-              <a:t>  steps: [6, 8]</a:t>
-            </a:r>
-          </a:p>
-          <a:p>
-            <a:r>
-              <a:rPr lang="en-US" sz="1200"/>
-              <a:t>  warmup: 0</a:t>
-            </a:r>
-          </a:p>
-          <a:p>
-            <a:r>
-              <a:rPr lang="en-US" sz="1200"/>
-              <a:t>  momentum: 0.9</a:t>
-            </a:r>
-          </a:p>
-          <a:p>
-            <a:r>
-              <a:rPr lang="en-US" sz="1200"/>
-              <a:t>  gamma: 1</a:t>
-            </a:r>
-          </a:p>
-        </p:txBody>
-      </p:sp>
-      <p:sp>
-        <p:nvSpPr>
-          <p:cNvPr id="5" name="TextBox 4">
-            <a:extLst>
-              <a:ext uri="{FF2B5EF4-FFF2-40B4-BE49-F238E27FC236}">
-                <a16:creationId xmlns:a16="http://schemas.microsoft.com/office/drawing/2014/main" id="{C4BE8A72-92CD-6C9E-9E58-97B9ADF70A1D}"/>
-              </a:ext>
-            </a:extLst>
-          </p:cNvPr>
-          <p:cNvSpPr txBox="1"/>
-          <p:nvPr/>
-        </p:nvSpPr>
-        <p:spPr>
-          <a:xfrm>
-            <a:off x="2245185" y="3141080"/>
-            <a:ext cx="1567737" cy="1846659"/>
-          </a:xfrm>
-          <a:prstGeom prst="rect">
-            <a:avLst/>
-          </a:prstGeom>
-          <a:noFill/>
-          <a:ln w="12700" cap="flat">
-            <a:noFill/>
-            <a:miter lim="400000"/>
-          </a:ln>
-          <a:effectLst/>
-          <a:sp3d/>
-        </p:spPr>
-        <p:style>
-          <a:lnRef idx="0">
-            <a:scrgbClr r="0" g="0" b="0"/>
-          </a:lnRef>
-          <a:fillRef idx="0">
-            <a:scrgbClr r="0" g="0" b="0"/>
-          </a:fillRef>
-          <a:effectRef idx="0">
-            <a:scrgbClr r="0" g="0" b="0"/>
-          </a:effectRef>
-          <a:fontRef idx="none"/>
-        </p:style>
-        <p:txBody>
-          <a:bodyPr rot="0" spcFirstLastPara="1" vertOverflow="overflow" horzOverflow="overflow" vert="horz" wrap="none" lIns="0" tIns="0" rIns="0" bIns="0" numCol="1" spcCol="38100" rtlCol="0" anchor="t">
-            <a:spAutoFit/>
-          </a:bodyPr>
-          <a:lstStyle/>
-          <a:p>
-            <a:r>
-              <a:rPr lang="en-US" sz="1200"/>
-              <a:t>network:</a:t>
-            </a:r>
-          </a:p>
-          <a:p>
-            <a:r>
-              <a:rPr lang="en-US" sz="1200"/>
-              <a:t>  model: ResNet-32 </a:t>
-            </a:r>
-          </a:p>
-          <a:p>
-            <a:r>
-              <a:rPr lang="en-US" sz="1200"/>
-              <a:t>save_best: True</a:t>
-            </a:r>
-          </a:p>
-          <a:p>
-            <a:endParaRPr lang="en-US" sz="1200"/>
-          </a:p>
-          <a:p>
-            <a:r>
-              <a:rPr lang="en-US" sz="1200"/>
-              <a:t>data:</a:t>
-            </a:r>
-          </a:p>
-          <a:p>
-            <a:r>
-              <a:rPr lang="en-US" sz="1200"/>
-              <a:t>  imbalance: imbalance</a:t>
-            </a:r>
-          </a:p>
-          <a:p>
-            <a:r>
-              <a:rPr lang="en-US" sz="1200"/>
-              <a:t>  beta: 0.9999</a:t>
-            </a:r>
-          </a:p>
-          <a:p>
-            <a:endParaRPr lang="en-US" sz="1200"/>
-          </a:p>
-          <a:p>
-            <a:r>
-              <a:rPr lang="en-US" sz="1200"/>
-              <a:t>loss:</a:t>
-            </a:r>
-          </a:p>
-          <a:p>
-            <a:r>
-              <a:rPr lang="en-US" sz="1200"/>
-              <a:t>  loss_type: CE</a:t>
-            </a:r>
-          </a:p>
-        </p:txBody>
-      </p:sp>
     </p:spTree>
   </p:cSld>
   <p:clrMapOvr>
@@ -4900,8 +4790,12 @@
             </a:pPr>
             <a:r>
               <a:rPr dirty="0"/>
-              <a:t>What’s your result of training with CB-Focal loss on imbalanced CIFAR-10?</a:t>
-            </a:r>
+              <a:t>What’s your result of training with CB-Focal loss on imbalanced </a:t>
+            </a:r>
+            <a:r>
+              <a:t>CIFAR-10?</a:t>
+            </a:r>
+            <a:endParaRPr lang="en-US"/>
           </a:p>
           <a:p>
             <a:pPr marL="0" indent="0">
@@ -4912,8 +4806,35 @@
               <a:buNone/>
             </a:pPr>
             <a:r>
+              <a:rPr lang="en-US"/>
+              <a:t>Accuracy: </a:t>
+            </a:r>
+          </a:p>
+          <a:p>
+            <a:pPr marL="0" indent="0">
+              <a:spcBef>
+                <a:spcPts val="1600"/>
+              </a:spcBef>
+              <a:buSzTx/>
+              <a:buNone/>
+            </a:pPr>
+            <a:endParaRPr lang="en-US"/>
+          </a:p>
+          <a:p>
+            <a:pPr marL="0" indent="0">
+              <a:spcBef>
+                <a:spcPts val="1600"/>
+              </a:spcBef>
+              <a:buSzTx/>
+              <a:buNone/>
+            </a:pPr>
+            <a:r>
+              <a:rPr lang="en-US"/>
+              <a:t>Additionally </a:t>
+            </a:r>
+            <a:r>
               <a:rPr lang="en-US" dirty="0"/>
-              <a:t>Additionally t</a:t>
+              <a:t>t</a:t>
             </a:r>
             <a:r>
               <a:rPr dirty="0"/>
@@ -4934,14 +4855,14 @@
           <p:nvPr>
             <p:extLst>
               <p:ext uri="{D42A27DB-BD31-4B8C-83A1-F6EECF244321}">
-                <p14:modId xmlns:p14="http://schemas.microsoft.com/office/powerpoint/2010/main" val="3997431800"/>
+                <p14:modId xmlns:p14="http://schemas.microsoft.com/office/powerpoint/2010/main" val="2293595554"/>
               </p:ext>
             </p:extLst>
           </p:nvPr>
         </p:nvGraphicFramePr>
         <p:xfrm>
-          <a:off x="0" y="1660490"/>
-          <a:ext cx="9080206" cy="1822520"/>
+          <a:off x="69457" y="2779003"/>
+          <a:ext cx="8860466" cy="1828710"/>
         </p:xfrm>
         <a:graphic>
           <a:graphicData uri="http://schemas.openxmlformats.org/drawingml/2006/table">
@@ -4950,7 +4871,7 @@
                 <a:tableStyleId>{4C3C2611-4C71-4FC5-86AE-919BDF0F9419}</a:tableStyleId>
               </a:tblPr>
               <a:tblGrid>
-                <a:gridCol w="905501">
+                <a:gridCol w="685761">
                   <a:extLst>
                     <a:ext uri="{9D8B030D-6E8A-4147-A177-3AD203B41FA5}">
                       <a16:colId xmlns:a16="http://schemas.microsoft.com/office/drawing/2014/main" val="20000"/>
@@ -6000,7 +5921,7 @@
           <p:nvPr>
             <p:extLst>
               <p:ext uri="{D42A27DB-BD31-4B8C-83A1-F6EECF244321}">
-                <p14:modId xmlns:p14="http://schemas.microsoft.com/office/powerpoint/2010/main" val="3758397468"/>
+                <p14:modId xmlns:p14="http://schemas.microsoft.com/office/powerpoint/2010/main" val="3668207194"/>
               </p:ext>
             </p:extLst>
           </p:nvPr>
@@ -6307,170 +6228,220 @@
                     <a:bodyPr/>
                     <a:lstStyle/>
                     <a:p>
-                      <a:pPr algn="l">
-                        <a:defRPr sz="1400"/>
+                      <a:pPr algn="ctr" fontAlgn="b">
+                        <a:buNone/>
                       </a:pPr>
                       <a:r>
-                        <a:rPr lang="en-US" sz="1200"/>
-                        <a:t>0.9050</a:t>
+                        <a:rPr lang="en-US" sz="1400" b="0" i="0" u="none" strike="noStrike">
+                          <a:solidFill>
+                            <a:srgbClr val="000000"/>
+                          </a:solidFill>
+                          <a:effectLst/>
+                          <a:latin typeface="Aptos Narrow" panose="020B0004020202020204" pitchFamily="34" charset="0"/>
+                        </a:rPr>
+                        <a:t>0.894</a:t>
                       </a:r>
-                      <a:endParaRPr sz="1200"/>
                     </a:p>
                   </a:txBody>
-                  <a:tcPr marL="91425" marR="91425" marT="91425" marB="91425" horzOverflow="overflow"/>
+                  <a:tcPr marL="6350" marR="6350" marT="6350" marB="0" anchor="b"/>
                 </a:tc>
                 <a:tc>
                   <a:txBody>
                     <a:bodyPr/>
                     <a:lstStyle/>
                     <a:p>
-                      <a:pPr algn="l">
-                        <a:defRPr sz="1400"/>
+                      <a:pPr algn="ctr" fontAlgn="b">
+                        <a:buNone/>
                       </a:pPr>
                       <a:r>
-                        <a:rPr lang="en-US" sz="1200"/>
-                        <a:t>0.8730</a:t>
+                        <a:rPr lang="en-US" sz="1400" b="0" i="0" u="none" strike="noStrike">
+                          <a:solidFill>
+                            <a:srgbClr val="000000"/>
+                          </a:solidFill>
+                          <a:effectLst/>
+                          <a:latin typeface="Aptos Narrow" panose="020B0004020202020204" pitchFamily="34" charset="0"/>
+                        </a:rPr>
+                        <a:t>0.977</a:t>
                       </a:r>
-                      <a:endParaRPr sz="1200"/>
                     </a:p>
                   </a:txBody>
-                  <a:tcPr marL="91425" marR="91425" marT="91425" marB="91425" horzOverflow="overflow"/>
+                  <a:tcPr marL="6350" marR="6350" marT="6350" marB="0" anchor="b"/>
                 </a:tc>
                 <a:tc>
                   <a:txBody>
                     <a:bodyPr/>
                     <a:lstStyle/>
                     <a:p>
-                      <a:pPr algn="l">
-                        <a:defRPr sz="1400"/>
+                      <a:pPr algn="ctr" fontAlgn="b">
+                        <a:buNone/>
                       </a:pPr>
                       <a:r>
-                        <a:rPr lang="en-US" sz="1200"/>
-                        <a:t>0.5720</a:t>
+                        <a:rPr lang="en-US" sz="1400" b="0" i="0" u="none" strike="noStrike">
+                          <a:solidFill>
+                            <a:srgbClr val="000000"/>
+                          </a:solidFill>
+                          <a:effectLst/>
+                          <a:latin typeface="Aptos Narrow" panose="020B0004020202020204" pitchFamily="34" charset="0"/>
+                        </a:rPr>
+                        <a:t>0.746</a:t>
                       </a:r>
-                      <a:endParaRPr sz="1200"/>
                     </a:p>
                   </a:txBody>
-                  <a:tcPr marL="91425" marR="91425" marT="91425" marB="91425" horzOverflow="overflow"/>
+                  <a:tcPr marL="6350" marR="6350" marT="6350" marB="0" anchor="b"/>
                 </a:tc>
                 <a:tc>
                   <a:txBody>
                     <a:bodyPr/>
                     <a:lstStyle/>
                     <a:p>
-                      <a:pPr algn="l">
-                        <a:defRPr sz="1400"/>
+                      <a:pPr algn="ctr" fontAlgn="b">
+                        <a:buNone/>
                       </a:pPr>
                       <a:r>
-                        <a:rPr lang="en-US" sz="1200"/>
-                        <a:t>0.5400</a:t>
+                        <a:rPr lang="en-US" sz="1400" b="0" i="0" u="none" strike="noStrike">
+                          <a:solidFill>
+                            <a:srgbClr val="000000"/>
+                          </a:solidFill>
+                          <a:effectLst/>
+                          <a:latin typeface="Aptos Narrow" panose="020B0004020202020204" pitchFamily="34" charset="0"/>
+                        </a:rPr>
+                        <a:t>0.632</a:t>
                       </a:r>
-                      <a:endParaRPr sz="1200"/>
                     </a:p>
                   </a:txBody>
-                  <a:tcPr marL="91425" marR="91425" marT="91425" marB="91425" horzOverflow="overflow"/>
+                  <a:tcPr marL="6350" marR="6350" marT="6350" marB="0" anchor="b"/>
                 </a:tc>
                 <a:tc>
                   <a:txBody>
                     <a:bodyPr/>
                     <a:lstStyle/>
                     <a:p>
-                      <a:pPr algn="l">
-                        <a:defRPr sz="1400"/>
+                      <a:pPr algn="ctr" fontAlgn="b">
+                        <a:buNone/>
                       </a:pPr>
                       <a:r>
-                        <a:rPr lang="en-US" sz="1200"/>
-                        <a:t>0.1550</a:t>
+                        <a:rPr lang="en-US" sz="1400" b="0" i="0" u="none" strike="noStrike">
+                          <a:solidFill>
+                            <a:srgbClr val="000000"/>
+                          </a:solidFill>
+                          <a:effectLst/>
+                          <a:latin typeface="Aptos Narrow" panose="020B0004020202020204" pitchFamily="34" charset="0"/>
+                        </a:rPr>
+                        <a:t>0.731</a:t>
                       </a:r>
-                      <a:endParaRPr sz="1200"/>
                     </a:p>
                   </a:txBody>
-                  <a:tcPr marL="91425" marR="91425" marT="91425" marB="91425" horzOverflow="overflow"/>
+                  <a:tcPr marL="6350" marR="6350" marT="6350" marB="0" anchor="b"/>
                 </a:tc>
                 <a:tc>
                   <a:txBody>
                     <a:bodyPr/>
                     <a:lstStyle/>
                     <a:p>
-                      <a:pPr algn="l">
-                        <a:defRPr sz="1400"/>
+                      <a:pPr algn="ctr" fontAlgn="b">
+                        <a:buNone/>
                       </a:pPr>
                       <a:r>
-                        <a:rPr lang="en-US" sz="1200"/>
-                        <a:t>0.0240</a:t>
+                        <a:rPr lang="en-US" sz="1400" b="0" i="0" u="none" strike="noStrike">
+                          <a:solidFill>
+                            <a:srgbClr val="000000"/>
+                          </a:solidFill>
+                          <a:effectLst/>
+                          <a:latin typeface="Aptos Narrow" panose="020B0004020202020204" pitchFamily="34" charset="0"/>
+                        </a:rPr>
+                        <a:t>0.534</a:t>
                       </a:r>
-                      <a:endParaRPr sz="1200"/>
                     </a:p>
                   </a:txBody>
-                  <a:tcPr marL="91425" marR="91425" marT="91425" marB="91425" horzOverflow="overflow"/>
+                  <a:tcPr marL="6350" marR="6350" marT="6350" marB="0" anchor="b"/>
                 </a:tc>
                 <a:tc>
                   <a:txBody>
                     <a:bodyPr/>
                     <a:lstStyle/>
                     <a:p>
-                      <a:pPr algn="l">
-                        <a:defRPr sz="1400"/>
+                      <a:pPr algn="ctr" fontAlgn="b">
+                        <a:buNone/>
                       </a:pPr>
                       <a:r>
-                        <a:rPr lang="en-US" sz="1200"/>
-                        <a:t>0.3340</a:t>
+                        <a:rPr lang="en-US" sz="1400" b="0" i="0" u="none" strike="noStrike">
+                          <a:solidFill>
+                            <a:srgbClr val="000000"/>
+                          </a:solidFill>
+                          <a:effectLst/>
+                          <a:latin typeface="Aptos Narrow" panose="020B0004020202020204" pitchFamily="34" charset="0"/>
+                        </a:rPr>
+                        <a:t>0.842</a:t>
                       </a:r>
-                      <a:endParaRPr sz="1200"/>
                     </a:p>
                   </a:txBody>
-                  <a:tcPr marL="91425" marR="91425" marT="91425" marB="91425" horzOverflow="overflow"/>
+                  <a:tcPr marL="6350" marR="6350" marT="6350" marB="0" anchor="b"/>
                 </a:tc>
                 <a:tc>
                   <a:txBody>
                     <a:bodyPr/>
                     <a:lstStyle/>
                     <a:p>
-                      <a:pPr algn="l">
-                        <a:defRPr sz="1400"/>
+                      <a:pPr algn="ctr" fontAlgn="b">
+                        <a:buNone/>
                       </a:pPr>
                       <a:r>
-                        <a:rPr lang="en-US" sz="1200"/>
-                        <a:t>0.000</a:t>
+                        <a:rPr lang="en-US" sz="1400" b="0" i="0" u="none" strike="noStrike">
+                          <a:solidFill>
+                            <a:srgbClr val="000000"/>
+                          </a:solidFill>
+                          <a:effectLst/>
+                          <a:latin typeface="Aptos Narrow" panose="020B0004020202020204" pitchFamily="34" charset="0"/>
+                        </a:rPr>
+                        <a:t>0.653</a:t>
                       </a:r>
-                      <a:endParaRPr sz="1200"/>
                     </a:p>
                   </a:txBody>
-                  <a:tcPr marL="91425" marR="91425" marT="91425" marB="91425" horzOverflow="overflow"/>
+                  <a:tcPr marL="6350" marR="6350" marT="6350" marB="0" anchor="b"/>
                 </a:tc>
                 <a:tc>
                   <a:txBody>
                     <a:bodyPr/>
                     <a:lstStyle/>
                     <a:p>
-                      <a:pPr algn="l">
-                        <a:defRPr sz="1400"/>
+                      <a:pPr algn="ctr" fontAlgn="b">
+                        <a:buNone/>
                       </a:pPr>
                       <a:r>
-                        <a:rPr lang="en-US" sz="1200"/>
-                        <a:t>0.000</a:t>
+                        <a:rPr lang="en-US" sz="1400" b="0" i="0" u="none" strike="noStrike">
+                          <a:solidFill>
+                            <a:srgbClr val="000000"/>
+                          </a:solidFill>
+                          <a:effectLst/>
+                          <a:latin typeface="Aptos Narrow" panose="020B0004020202020204" pitchFamily="34" charset="0"/>
+                        </a:rPr>
+                        <a:t>0.402</a:t>
                       </a:r>
-                      <a:endParaRPr sz="1200"/>
                     </a:p>
                   </a:txBody>
-                  <a:tcPr marL="91425" marR="91425" marT="91425" marB="91425" horzOverflow="overflow"/>
+                  <a:tcPr marL="6350" marR="6350" marT="6350" marB="0" anchor="b"/>
                 </a:tc>
                 <a:tc>
                   <a:txBody>
                     <a:bodyPr/>
                     <a:lstStyle/>
                     <a:p>
-                      <a:pPr algn="l">
-                        <a:defRPr sz="1400"/>
+                      <a:pPr algn="ctr" fontAlgn="b">
+                        <a:buNone/>
                       </a:pPr>
                       <a:r>
-                        <a:rPr lang="en-US" sz="1200"/>
-                        <a:t>0.000</a:t>
+                        <a:rPr lang="en-US" sz="1400" b="0" i="0" u="none" strike="noStrike">
+                          <a:solidFill>
+                            <a:srgbClr val="000000"/>
+                          </a:solidFill>
+                          <a:effectLst/>
+                          <a:latin typeface="Aptos Narrow" panose="020B0004020202020204" pitchFamily="34" charset="0"/>
+                        </a:rPr>
+                        <a:t>0.478</a:t>
                       </a:r>
-                      <a:endParaRPr sz="1200" dirty="0"/>
                     </a:p>
                   </a:txBody>
-                  <a:tcPr marL="91425" marR="91425" marT="91425" marB="91425" horzOverflow="overflow"/>
+                  <a:tcPr marL="6350" marR="6350" marT="6350" marB="0" anchor="b"/>
                 </a:tc>
                 <a:extLst>
                   <a:ext uri="{0D108BD9-81ED-4DB2-BD59-A6C34878D82A}">
@@ -6744,7 +6715,448 @@
           </a:p>
         </p:txBody>
       </p:sp>
+      <p:sp>
+        <p:nvSpPr>
+          <p:cNvPr id="2" name="TextBox 1">
+            <a:extLst>
+              <a:ext uri="{FF2B5EF4-FFF2-40B4-BE49-F238E27FC236}">
+                <a16:creationId xmlns:a16="http://schemas.microsoft.com/office/drawing/2014/main" id="{6182119F-4C97-378F-42ED-1DC3018285F5}"/>
+              </a:ext>
+            </a:extLst>
+          </p:cNvPr>
+          <p:cNvSpPr txBox="1"/>
+          <p:nvPr/>
+        </p:nvSpPr>
+        <p:spPr>
+          <a:xfrm>
+            <a:off x="588335" y="1141227"/>
+            <a:ext cx="7407349" cy="4093428"/>
+          </a:xfrm>
+          <a:prstGeom prst="rect">
+            <a:avLst/>
+          </a:prstGeom>
+          <a:noFill/>
+          <a:ln w="12700" cap="flat">
+            <a:noFill/>
+            <a:miter lim="400000"/>
+          </a:ln>
+          <a:effectLst/>
+          <a:sp3d/>
+        </p:spPr>
+        <p:style>
+          <a:lnRef idx="0">
+            <a:scrgbClr r="0" g="0" b="0"/>
+          </a:lnRef>
+          <a:fillRef idx="0">
+            <a:scrgbClr r="0" g="0" b="0"/>
+          </a:fillRef>
+          <a:effectRef idx="0">
+            <a:scrgbClr r="0" g="0" b="0"/>
+          </a:effectRef>
+          <a:fontRef idx="none"/>
+        </p:style>
+        <p:txBody>
+          <a:bodyPr rot="0" spcFirstLastPara="1" vertOverflow="overflow" horzOverflow="overflow" vert="horz" wrap="square" lIns="0" tIns="0" rIns="0" bIns="0" numCol="1" spcCol="38100" rtlCol="0" anchor="t">
+            <a:spAutoFit/>
+          </a:bodyPr>
+          <a:lstStyle/>
+          <a:p>
+            <a:pPr marL="0" marR="0" indent="0" algn="l" defTabSz="914400" rtl="0" fontAlgn="auto" latinLnBrk="0" hangingPunct="0">
+              <a:lnSpc>
+                <a:spcPct val="100000"/>
+              </a:lnSpc>
+              <a:spcBef>
+                <a:spcPts val="0"/>
+              </a:spcBef>
+              <a:spcAft>
+                <a:spcPts val="0"/>
+              </a:spcAft>
+              <a:buClrTx/>
+              <a:buSzTx/>
+              <a:buFontTx/>
+              <a:buNone/>
+              <a:tabLst/>
+            </a:pPr>
+            <a:r>
+              <a:rPr kumimoji="0" lang="en-US" sz="1400" b="0" i="0" u="none" strike="noStrike" cap="none" spc="0" normalizeH="0" baseline="0">
+                <a:ln>
+                  <a:noFill/>
+                </a:ln>
+                <a:solidFill>
+                  <a:srgbClr val="000000"/>
+                </a:solidFill>
+                <a:effectLst/>
+                <a:uFillTx/>
+                <a:latin typeface="+mn-lt"/>
+                <a:ea typeface="+mn-ea"/>
+                <a:cs typeface="+mn-cs"/>
+                <a:sym typeface="Arial"/>
+              </a:rPr>
+              <a:t>Gamma = 0 would make focal loss inactive and equivalent to cross entropy loss, while higher values of gamma e</a:t>
+            </a:r>
+            <a:r>
+              <a:rPr lang="en-US"/>
+              <a:t>mphasize accuracy on harder to classify classes. Overly high values of gamma caused a marked reduction in overall accuracy. </a:t>
+            </a:r>
+          </a:p>
+          <a:p>
+            <a:pPr marL="0" marR="0" indent="0" algn="l" defTabSz="914400" rtl="0" fontAlgn="auto" latinLnBrk="0" hangingPunct="0">
+              <a:lnSpc>
+                <a:spcPct val="100000"/>
+              </a:lnSpc>
+              <a:spcBef>
+                <a:spcPts val="0"/>
+              </a:spcBef>
+              <a:spcAft>
+                <a:spcPts val="0"/>
+              </a:spcAft>
+              <a:buClrTx/>
+              <a:buSzTx/>
+              <a:buFontTx/>
+              <a:buNone/>
+              <a:tabLst/>
+            </a:pPr>
+            <a:endParaRPr kumimoji="0" lang="en-US" sz="1400" b="0" i="0" u="none" strike="noStrike" cap="none" spc="0" normalizeH="0" baseline="0">
+              <a:ln>
+                <a:noFill/>
+              </a:ln>
+              <a:solidFill>
+                <a:srgbClr val="000000"/>
+              </a:solidFill>
+              <a:effectLst/>
+              <a:uFillTx/>
+              <a:latin typeface="+mn-lt"/>
+              <a:ea typeface="+mn-ea"/>
+              <a:cs typeface="+mn-cs"/>
+              <a:sym typeface="Arial"/>
+            </a:endParaRPr>
+          </a:p>
+          <a:p>
+            <a:pPr marL="0" marR="0" indent="0" algn="l" defTabSz="914400" rtl="0" fontAlgn="auto" latinLnBrk="0" hangingPunct="0">
+              <a:lnSpc>
+                <a:spcPct val="100000"/>
+              </a:lnSpc>
+              <a:spcBef>
+                <a:spcPts val="0"/>
+              </a:spcBef>
+              <a:spcAft>
+                <a:spcPts val="0"/>
+              </a:spcAft>
+              <a:buClrTx/>
+              <a:buSzTx/>
+              <a:buFontTx/>
+              <a:buNone/>
+              <a:tabLst/>
+            </a:pPr>
+            <a:r>
+              <a:rPr lang="en-US"/>
+              <a:t>Tuning the beta values changes the class balanced loss, with beta = 0 defaulting to no reweighting. High b</a:t>
+            </a:r>
+            <a:r>
+              <a:rPr kumimoji="0" lang="en-US" sz="1400" b="0" i="0" u="none" strike="noStrike" cap="none" spc="0" normalizeH="0" baseline="0">
+                <a:ln>
+                  <a:noFill/>
+                </a:ln>
+                <a:solidFill>
+                  <a:srgbClr val="000000"/>
+                </a:solidFill>
+                <a:effectLst/>
+                <a:uFillTx/>
+                <a:latin typeface="+mn-lt"/>
+                <a:ea typeface="+mn-ea"/>
+                <a:cs typeface="+mn-cs"/>
+                <a:sym typeface="Arial"/>
+              </a:rPr>
+              <a:t>eta values like 0.999 emphasize rare classes, lower values of beta do less reweighting towards rare classes</a:t>
+            </a:r>
+            <a:r>
+              <a:rPr lang="en-US"/>
+              <a:t>. Higher values of beta caused a marked reduction in overall accuracy. </a:t>
+            </a:r>
+          </a:p>
+          <a:p>
+            <a:pPr marL="0" marR="0" indent="0" algn="l" defTabSz="914400" rtl="0" fontAlgn="auto" latinLnBrk="0" hangingPunct="0">
+              <a:lnSpc>
+                <a:spcPct val="100000"/>
+              </a:lnSpc>
+              <a:spcBef>
+                <a:spcPts val="0"/>
+              </a:spcBef>
+              <a:spcAft>
+                <a:spcPts val="0"/>
+              </a:spcAft>
+              <a:buClrTx/>
+              <a:buSzTx/>
+              <a:buFontTx/>
+              <a:buNone/>
+              <a:tabLst/>
+            </a:pPr>
+            <a:endParaRPr lang="en-US"/>
+          </a:p>
+          <a:p>
+            <a:r>
+              <a:rPr lang="en-US"/>
+              <a:t>The regularization was changed  from 0.0005 for CE to **** for focal loss, since focal loss has in it inherently some regularization penalizing majority/easy to classify classes. </a:t>
+            </a:r>
+          </a:p>
+          <a:p>
+            <a:pPr marL="0" marR="0" indent="0" algn="l" defTabSz="914400" rtl="0" fontAlgn="auto" latinLnBrk="0" hangingPunct="0">
+              <a:lnSpc>
+                <a:spcPct val="100000"/>
+              </a:lnSpc>
+              <a:spcBef>
+                <a:spcPts val="0"/>
+              </a:spcBef>
+              <a:spcAft>
+                <a:spcPts val="0"/>
+              </a:spcAft>
+              <a:buClrTx/>
+              <a:buSzTx/>
+              <a:buFontTx/>
+              <a:buNone/>
+              <a:tabLst/>
+            </a:pPr>
+            <a:br>
+              <a:rPr lang="en-US"/>
+            </a:br>
+            <a:br>
+              <a:rPr lang="en-US"/>
+            </a:br>
+            <a:r>
+              <a:rPr lang="en-US"/>
+              <a:t>The CE model had moderate  class imbalance in model accuracy between classes, between  0.4 and 0.9. Hence modest values  were chosen, gamma = __ and beta = __ to try to boost balanced performance between the different classes and improve overall accuracy. The new range of class accuracies was ___, and the overall accuracy was ___. This is a slight improvement over the CE model.</a:t>
+            </a:r>
+          </a:p>
+          <a:p>
+            <a:pPr marL="0" marR="0" indent="0" algn="l" defTabSz="914400" rtl="0" fontAlgn="auto" latinLnBrk="0" hangingPunct="0">
+              <a:lnSpc>
+                <a:spcPct val="100000"/>
+              </a:lnSpc>
+              <a:spcBef>
+                <a:spcPts val="0"/>
+              </a:spcBef>
+              <a:spcAft>
+                <a:spcPts val="0"/>
+              </a:spcAft>
+              <a:buClrTx/>
+              <a:buSzTx/>
+              <a:buFontTx/>
+              <a:buNone/>
+              <a:tabLst/>
+            </a:pPr>
+            <a:endParaRPr kumimoji="0" lang="en-US" sz="1400" b="0" i="0" u="none" strike="noStrike" cap="none" spc="0" normalizeH="0" baseline="0">
+              <a:ln>
+                <a:noFill/>
+              </a:ln>
+              <a:solidFill>
+                <a:srgbClr val="000000"/>
+              </a:solidFill>
+              <a:effectLst/>
+              <a:uFillTx/>
+              <a:latin typeface="+mn-lt"/>
+              <a:ea typeface="+mn-ea"/>
+              <a:cs typeface="+mn-cs"/>
+              <a:sym typeface="Arial"/>
+            </a:endParaRPr>
+          </a:p>
+        </p:txBody>
+      </p:sp>
     </p:spTree>
+  </p:cSld>
+  <p:clrMapOvr>
+    <a:masterClrMapping/>
+  </p:clrMapOvr>
+  <p:transition spd="med"/>
+</p:sld>
+</file>
+
+<file path=ppt/slides/slide22.xml><?xml version="1.0" encoding="utf-8"?>
+<p:sld xmlns:a="http://schemas.openxmlformats.org/drawingml/2006/main" xmlns:r="http://schemas.openxmlformats.org/officeDocument/2006/relationships" xmlns:p="http://schemas.openxmlformats.org/presentationml/2006/main">
+  <p:cSld>
+    <p:spTree>
+      <p:nvGrpSpPr>
+        <p:cNvPr id="1" name=""/>
+        <p:cNvGrpSpPr/>
+        <p:nvPr/>
+      </p:nvGrpSpPr>
+      <p:grpSpPr>
+        <a:xfrm>
+          <a:off x="0" y="0"/>
+          <a:ext cx="0" cy="0"/>
+          <a:chOff x="0" y="0"/>
+          <a:chExt cx="0" cy="0"/>
+        </a:xfrm>
+      </p:grpSpPr>
+      <p:sp>
+        <p:nvSpPr>
+          <p:cNvPr id="5" name="TextBox 4">
+            <a:extLst>
+              <a:ext uri="{FF2B5EF4-FFF2-40B4-BE49-F238E27FC236}">
+                <a16:creationId xmlns:a16="http://schemas.microsoft.com/office/drawing/2014/main" id="{7E6E5297-3DB8-77E7-FD46-D845919FFBA8}"/>
+              </a:ext>
+            </a:extLst>
+          </p:cNvPr>
+          <p:cNvSpPr txBox="1"/>
+          <p:nvPr/>
+        </p:nvSpPr>
+        <p:spPr>
+          <a:xfrm>
+            <a:off x="127591" y="453656"/>
+            <a:ext cx="4805916" cy="3970318"/>
+          </a:xfrm>
+          <a:prstGeom prst="rect">
+            <a:avLst/>
+          </a:prstGeom>
+          <a:noFill/>
+          <a:ln w="12700" cap="flat">
+            <a:noFill/>
+            <a:miter lim="400000"/>
+          </a:ln>
+          <a:effectLst/>
+          <a:sp3d/>
+        </p:spPr>
+        <p:style>
+          <a:lnRef idx="0">
+            <a:scrgbClr r="0" g="0" b="0"/>
+          </a:lnRef>
+          <a:fillRef idx="0">
+            <a:scrgbClr r="0" g="0" b="0"/>
+          </a:fillRef>
+          <a:effectRef idx="0">
+            <a:scrgbClr r="0" g="0" b="0"/>
+          </a:effectRef>
+          <a:fontRef idx="none"/>
+        </p:style>
+        <p:txBody>
+          <a:bodyPr wrap="square">
+            <a:spAutoFit/>
+          </a:bodyPr>
+          <a:lstStyle/>
+          <a:p>
+            <a:r>
+              <a:rPr lang="en-US" sz="1200"/>
+              <a:t>CE model---------------</a:t>
+            </a:r>
+          </a:p>
+          <a:p>
+            <a:r>
+              <a:rPr lang="en-US" sz="1200"/>
+              <a:t>Train:</a:t>
+            </a:r>
+          </a:p>
+          <a:p>
+            <a:r>
+              <a:rPr lang="en-US" sz="1200"/>
+              <a:t>  batch_size: 128</a:t>
+            </a:r>
+          </a:p>
+          <a:p>
+            <a:r>
+              <a:rPr lang="en-US" sz="1200"/>
+              <a:t>  learning_rate: 0.1</a:t>
+            </a:r>
+          </a:p>
+          <a:p>
+            <a:r>
+              <a:rPr lang="en-US" sz="1200"/>
+              <a:t>  reg: 0.0005</a:t>
+            </a:r>
+          </a:p>
+          <a:p>
+            <a:r>
+              <a:rPr lang="en-US" sz="1200"/>
+              <a:t>  epochs: 50</a:t>
+            </a:r>
+          </a:p>
+          <a:p>
+            <a:r>
+              <a:rPr lang="en-US" sz="1200"/>
+              <a:t>  steps: [100, 101]</a:t>
+            </a:r>
+          </a:p>
+          <a:p>
+            <a:r>
+              <a:rPr lang="en-US" sz="1200"/>
+              <a:t>  warmup: 0</a:t>
+            </a:r>
+          </a:p>
+          <a:p>
+            <a:r>
+              <a:rPr lang="en-US" sz="1200"/>
+              <a:t>  momentum: 0.9</a:t>
+            </a:r>
+          </a:p>
+          <a:p>
+            <a:r>
+              <a:rPr lang="en-US" sz="1200"/>
+              <a:t>  gamma: 1</a:t>
+            </a:r>
+          </a:p>
+          <a:p>
+            <a:endParaRPr lang="en-US" sz="1200"/>
+          </a:p>
+          <a:p>
+            <a:r>
+              <a:rPr lang="en-US" sz="1200"/>
+              <a:t>network:</a:t>
+            </a:r>
+          </a:p>
+          <a:p>
+            <a:r>
+              <a:rPr lang="en-US" sz="1200"/>
+              <a:t>  model: ResNet-32 </a:t>
+            </a:r>
+          </a:p>
+          <a:p>
+            <a:r>
+              <a:rPr lang="en-US" sz="1200"/>
+              <a:t>  save_best: True</a:t>
+            </a:r>
+          </a:p>
+          <a:p>
+            <a:endParaRPr lang="en-US" sz="1200"/>
+          </a:p>
+          <a:p>
+            <a:r>
+              <a:rPr lang="en-US" sz="1200"/>
+              <a:t>data:</a:t>
+            </a:r>
+          </a:p>
+          <a:p>
+            <a:r>
+              <a:rPr lang="en-US" sz="1200"/>
+              <a:t>  imbalance: imbalance # regular or imbalance</a:t>
+            </a:r>
+          </a:p>
+          <a:p>
+            <a:r>
+              <a:rPr lang="en-US" sz="1200"/>
+              <a:t>  beta: 0.9999</a:t>
+            </a:r>
+          </a:p>
+          <a:p>
+            <a:endParaRPr lang="en-US" sz="1200"/>
+          </a:p>
+          <a:p>
+            <a:r>
+              <a:rPr lang="en-US" sz="1200"/>
+              <a:t>loss:</a:t>
+            </a:r>
+          </a:p>
+          <a:p>
+            <a:r>
+              <a:rPr lang="en-US" sz="1200"/>
+              <a:t>  loss_type: CE # CE or Focal</a:t>
+            </a:r>
+          </a:p>
+        </p:txBody>
+      </p:sp>
+    </p:spTree>
+    <p:extLst>
+      <p:ext uri="{BB962C8B-B14F-4D97-AF65-F5344CB8AC3E}">
+        <p14:creationId xmlns:p14="http://schemas.microsoft.com/office/powerpoint/2010/main" val="1448319909"/>
+      </p:ext>
+    </p:extLst>
   </p:cSld>
   <p:clrMapOvr>
     <a:masterClrMapping/>
